--- a/WPT/3-coil/Three-Coil-Journal/matlab/Current_Balancing/New Microsoft PowerPoint Presentation.pptx
+++ b/WPT/3-coil/Three-Coil-Journal/matlab/Current_Balancing/New Microsoft PowerPoint Presentation.pptx
@@ -3536,7 +3536,7 @@
         </p:blipFill>
         <p:spPr>
           <a:xfrm>
-            <a:off x="7788675" y="1216056"/>
+            <a:off x="7620004" y="1216056"/>
             <a:ext cx="781234" cy="1162976"/>
           </a:xfrm>
           <a:prstGeom prst="rect">
@@ -3625,7 +3625,7 @@
         </p:nvSpPr>
         <p:spPr>
           <a:xfrm>
-            <a:off x="6441673" y="2969951"/>
+            <a:off x="6227689" y="2951778"/>
             <a:ext cx="807868" cy="338554"/>
           </a:xfrm>
           <a:prstGeom prst="rect">
@@ -3694,13 +3694,13 @@
         </p:nvPicPr>
         <p:blipFill rotWithShape="1">
           <a:blip r:embed="rId5"/>
-          <a:srcRect l="7560" b="22156"/>
+          <a:srcRect l="18601" b="22156"/>
           <a:stretch/>
         </p:blipFill>
         <p:spPr>
           <a:xfrm>
-            <a:off x="5321793" y="1064951"/>
-            <a:ext cx="2641478" cy="1482940"/>
+            <a:off x="5468648" y="1064951"/>
+            <a:ext cx="2325951" cy="1482940"/>
           </a:xfrm>
           <a:prstGeom prst="rect">
             <a:avLst/>
@@ -3728,7 +3728,7 @@
         </p:blipFill>
         <p:spPr>
           <a:xfrm>
-            <a:off x="5105772" y="2530136"/>
+            <a:off x="4950413" y="2530136"/>
             <a:ext cx="2857499" cy="439815"/>
           </a:xfrm>
           <a:prstGeom prst="rect">

--- a/WPT/3-coil/Three-Coil-Journal/matlab/Current_Balancing/New Microsoft PowerPoint Presentation.pptx
+++ b/WPT/3-coil/Three-Coil-Journal/matlab/Current_Balancing/New Microsoft PowerPoint Presentation.pptx
@@ -7,6 +7,8 @@
   <p:sldIdLst>
     <p:sldId id="256" r:id="rId2"/>
     <p:sldId id="257" r:id="rId3"/>
+    <p:sldId id="258" r:id="rId4"/>
+    <p:sldId id="259" r:id="rId5"/>
   </p:sldIdLst>
   <p:sldSz cx="12192000" cy="6858000"/>
   <p:notesSz cx="6858000" cy="9144000"/>
@@ -105,6 +107,11 @@
       </a:defRPr>
     </a:lvl9pPr>
   </p:defaultTextStyle>
+  <p:extLst>
+    <p:ext uri="{EFAFB233-063F-42B5-8137-9DF3F51BA10A}">
+      <p15:sldGuideLst xmlns:p15="http://schemas.microsoft.com/office/powerpoint/2012/main"/>
+    </p:ext>
+  </p:extLst>
 </p:presentation>
 </file>
 
@@ -255,7 +262,7 @@
           <a:p>
             <a:fld id="{9BFCF02B-4A83-43CB-AEEF-533BFA6E5E90}" type="datetimeFigureOut">
               <a:rPr lang="en-US" smtClean="0"/>
-              <a:t>2/22/2022</a:t>
+              <a:t>3/30/2022</a:t>
             </a:fld>
             <a:endParaRPr lang="en-US"/>
           </a:p>
@@ -453,7 +460,7 @@
           <a:p>
             <a:fld id="{9BFCF02B-4A83-43CB-AEEF-533BFA6E5E90}" type="datetimeFigureOut">
               <a:rPr lang="en-US" smtClean="0"/>
-              <a:t>2/22/2022</a:t>
+              <a:t>3/30/2022</a:t>
             </a:fld>
             <a:endParaRPr lang="en-US"/>
           </a:p>
@@ -661,7 +668,7 @@
           <a:p>
             <a:fld id="{9BFCF02B-4A83-43CB-AEEF-533BFA6E5E90}" type="datetimeFigureOut">
               <a:rPr lang="en-US" smtClean="0"/>
-              <a:t>2/22/2022</a:t>
+              <a:t>3/30/2022</a:t>
             </a:fld>
             <a:endParaRPr lang="en-US"/>
           </a:p>
@@ -859,7 +866,7 @@
           <a:p>
             <a:fld id="{9BFCF02B-4A83-43CB-AEEF-533BFA6E5E90}" type="datetimeFigureOut">
               <a:rPr lang="en-US" smtClean="0"/>
-              <a:t>2/22/2022</a:t>
+              <a:t>3/30/2022</a:t>
             </a:fld>
             <a:endParaRPr lang="en-US"/>
           </a:p>
@@ -1134,7 +1141,7 @@
           <a:p>
             <a:fld id="{9BFCF02B-4A83-43CB-AEEF-533BFA6E5E90}" type="datetimeFigureOut">
               <a:rPr lang="en-US" smtClean="0"/>
-              <a:t>2/22/2022</a:t>
+              <a:t>3/30/2022</a:t>
             </a:fld>
             <a:endParaRPr lang="en-US"/>
           </a:p>
@@ -1399,7 +1406,7 @@
           <a:p>
             <a:fld id="{9BFCF02B-4A83-43CB-AEEF-533BFA6E5E90}" type="datetimeFigureOut">
               <a:rPr lang="en-US" smtClean="0"/>
-              <a:t>2/22/2022</a:t>
+              <a:t>3/30/2022</a:t>
             </a:fld>
             <a:endParaRPr lang="en-US"/>
           </a:p>
@@ -1811,7 +1818,7 @@
           <a:p>
             <a:fld id="{9BFCF02B-4A83-43CB-AEEF-533BFA6E5E90}" type="datetimeFigureOut">
               <a:rPr lang="en-US" smtClean="0"/>
-              <a:t>2/22/2022</a:t>
+              <a:t>3/30/2022</a:t>
             </a:fld>
             <a:endParaRPr lang="en-US"/>
           </a:p>
@@ -1952,7 +1959,7 @@
           <a:p>
             <a:fld id="{9BFCF02B-4A83-43CB-AEEF-533BFA6E5E90}" type="datetimeFigureOut">
               <a:rPr lang="en-US" smtClean="0"/>
-              <a:t>2/22/2022</a:t>
+              <a:t>3/30/2022</a:t>
             </a:fld>
             <a:endParaRPr lang="en-US"/>
           </a:p>
@@ -2065,7 +2072,7 @@
           <a:p>
             <a:fld id="{9BFCF02B-4A83-43CB-AEEF-533BFA6E5E90}" type="datetimeFigureOut">
               <a:rPr lang="en-US" smtClean="0"/>
-              <a:t>2/22/2022</a:t>
+              <a:t>3/30/2022</a:t>
             </a:fld>
             <a:endParaRPr lang="en-US"/>
           </a:p>
@@ -2376,7 +2383,7 @@
           <a:p>
             <a:fld id="{9BFCF02B-4A83-43CB-AEEF-533BFA6E5E90}" type="datetimeFigureOut">
               <a:rPr lang="en-US" smtClean="0"/>
-              <a:t>2/22/2022</a:t>
+              <a:t>3/30/2022</a:t>
             </a:fld>
             <a:endParaRPr lang="en-US"/>
           </a:p>
@@ -2664,7 +2671,7 @@
           <a:p>
             <a:fld id="{9BFCF02B-4A83-43CB-AEEF-533BFA6E5E90}" type="datetimeFigureOut">
               <a:rPr lang="en-US" smtClean="0"/>
-              <a:t>2/22/2022</a:t>
+              <a:t>3/30/2022</a:t>
             </a:fld>
             <a:endParaRPr lang="en-US"/>
           </a:p>
@@ -2905,7 +2912,7 @@
           <a:p>
             <a:fld id="{9BFCF02B-4A83-43CB-AEEF-533BFA6E5E90}" type="datetimeFigureOut">
               <a:rPr lang="en-US" smtClean="0"/>
-              <a:t>2/22/2022</a:t>
+              <a:t>3/30/2022</a:t>
             </a:fld>
             <a:endParaRPr lang="en-US"/>
           </a:p>
@@ -3749,6 +3756,728 @@
 </p:sld>
 </file>
 
+<file path=ppt/slides/slide3.xml><?xml version="1.0" encoding="utf-8"?>
+<p:sld xmlns:a="http://schemas.openxmlformats.org/drawingml/2006/main" xmlns:r="http://schemas.openxmlformats.org/officeDocument/2006/relationships" xmlns:p="http://schemas.openxmlformats.org/presentationml/2006/main">
+  <p:cSld>
+    <p:spTree>
+      <p:nvGrpSpPr>
+        <p:cNvPr id="1" name=""/>
+        <p:cNvGrpSpPr/>
+        <p:nvPr/>
+      </p:nvGrpSpPr>
+      <p:grpSpPr>
+        <a:xfrm>
+          <a:off x="0" y="0"/>
+          <a:ext cx="0" cy="0"/>
+          <a:chOff x="0" y="0"/>
+          <a:chExt cx="0" cy="0"/>
+        </a:xfrm>
+      </p:grpSpPr>
+      <p:sp>
+        <p:nvSpPr>
+          <p:cNvPr id="14" name="Rectangle 13">
+            <a:extLst>
+              <a:ext uri="{FF2B5EF4-FFF2-40B4-BE49-F238E27FC236}">
+                <a16:creationId xmlns:a16="http://schemas.microsoft.com/office/drawing/2014/main" id="{3C752DC2-4910-45C1-9E47-DDE5A5509699}"/>
+              </a:ext>
+            </a:extLst>
+          </p:cNvPr>
+          <p:cNvSpPr/>
+          <p:nvPr/>
+        </p:nvSpPr>
+        <p:spPr>
+          <a:xfrm>
+            <a:off x="2887277" y="994299"/>
+            <a:ext cx="6027938" cy="2314206"/>
+          </a:xfrm>
+          <a:prstGeom prst="rect">
+            <a:avLst/>
+          </a:prstGeom>
+          <a:solidFill>
+            <a:schemeClr val="bg1"/>
+          </a:solidFill>
+          <a:ln>
+            <a:noFill/>
+          </a:ln>
+        </p:spPr>
+        <p:style>
+          <a:lnRef idx="2">
+            <a:schemeClr val="accent1">
+              <a:shade val="50000"/>
+            </a:schemeClr>
+          </a:lnRef>
+          <a:fillRef idx="1">
+            <a:schemeClr val="accent1"/>
+          </a:fillRef>
+          <a:effectRef idx="0">
+            <a:schemeClr val="accent1"/>
+          </a:effectRef>
+          <a:fontRef idx="minor">
+            <a:schemeClr val="lt1"/>
+          </a:fontRef>
+        </p:style>
+        <p:txBody>
+          <a:bodyPr rtlCol="0" anchor="ctr"/>
+          <a:lstStyle/>
+          <a:p>
+            <a:pPr algn="ctr"/>
+            <a:endParaRPr lang="en-US"/>
+          </a:p>
+        </p:txBody>
+      </p:sp>
+      <p:pic>
+        <p:nvPicPr>
+          <p:cNvPr id="6" name="Picture 5">
+            <a:extLst>
+              <a:ext uri="{FF2B5EF4-FFF2-40B4-BE49-F238E27FC236}">
+                <a16:creationId xmlns:a16="http://schemas.microsoft.com/office/drawing/2014/main" id="{16119B48-E806-4A24-8B13-98C53F492E89}"/>
+              </a:ext>
+            </a:extLst>
+          </p:cNvPr>
+          <p:cNvPicPr>
+            <a:picLocks noChangeAspect="1"/>
+          </p:cNvPicPr>
+          <p:nvPr/>
+        </p:nvPicPr>
+        <p:blipFill rotWithShape="1">
+          <a:blip r:embed="rId2"/>
+          <a:srcRect l="57870" t="34970" r="14790" b="3981"/>
+          <a:stretch/>
+        </p:blipFill>
+        <p:spPr>
+          <a:xfrm>
+            <a:off x="7963271" y="1242875"/>
+            <a:ext cx="781234" cy="1162976"/>
+          </a:xfrm>
+          <a:prstGeom prst="rect">
+            <a:avLst/>
+          </a:prstGeom>
+        </p:spPr>
+      </p:pic>
+      <p:pic>
+        <p:nvPicPr>
+          <p:cNvPr id="7" name="Picture 6">
+            <a:extLst>
+              <a:ext uri="{FF2B5EF4-FFF2-40B4-BE49-F238E27FC236}">
+                <a16:creationId xmlns:a16="http://schemas.microsoft.com/office/drawing/2014/main" id="{34C1CA75-08C3-4B70-969D-4AE5083D5382}"/>
+              </a:ext>
+            </a:extLst>
+          </p:cNvPr>
+          <p:cNvPicPr>
+            <a:picLocks noChangeAspect="1"/>
+          </p:cNvPicPr>
+          <p:nvPr/>
+        </p:nvPicPr>
+        <p:blipFill rotWithShape="1">
+          <a:blip r:embed="rId3"/>
+          <a:srcRect l="18104" b="11903"/>
+          <a:stretch/>
+        </p:blipFill>
+        <p:spPr>
+          <a:xfrm>
+            <a:off x="5805995" y="1064951"/>
+            <a:ext cx="2340191" cy="1678249"/>
+          </a:xfrm>
+          <a:prstGeom prst="rect">
+            <a:avLst/>
+          </a:prstGeom>
+        </p:spPr>
+      </p:pic>
+      <p:pic>
+        <p:nvPicPr>
+          <p:cNvPr id="9" name="Picture 8">
+            <a:extLst>
+              <a:ext uri="{FF2B5EF4-FFF2-40B4-BE49-F238E27FC236}">
+                <a16:creationId xmlns:a16="http://schemas.microsoft.com/office/drawing/2014/main" id="{CDAD1013-A6E9-4BBA-8BA6-F53FCD065C07}"/>
+              </a:ext>
+            </a:extLst>
+          </p:cNvPr>
+          <p:cNvPicPr>
+            <a:picLocks noChangeAspect="1"/>
+          </p:cNvPicPr>
+          <p:nvPr/>
+        </p:nvPicPr>
+        <p:blipFill rotWithShape="1">
+          <a:blip r:embed="rId4"/>
+          <a:srcRect l="7812" b="11903"/>
+          <a:stretch/>
+        </p:blipFill>
+        <p:spPr>
+          <a:xfrm>
+            <a:off x="3266983" y="1064951"/>
+            <a:ext cx="2634263" cy="1678249"/>
+          </a:xfrm>
+          <a:prstGeom prst="rect">
+            <a:avLst/>
+          </a:prstGeom>
+        </p:spPr>
+      </p:pic>
+      <p:sp>
+        <p:nvSpPr>
+          <p:cNvPr id="10" name="TextBox 9">
+            <a:extLst>
+              <a:ext uri="{FF2B5EF4-FFF2-40B4-BE49-F238E27FC236}">
+                <a16:creationId xmlns:a16="http://schemas.microsoft.com/office/drawing/2014/main" id="{E2014EAB-6DF4-405B-B888-AA1E1AE335E8}"/>
+              </a:ext>
+            </a:extLst>
+          </p:cNvPr>
+          <p:cNvSpPr txBox="1"/>
+          <p:nvPr/>
+        </p:nvSpPr>
+        <p:spPr>
+          <a:xfrm>
+            <a:off x="4399808" y="2969951"/>
+            <a:ext cx="807868" cy="338554"/>
+          </a:xfrm>
+          <a:prstGeom prst="rect">
+            <a:avLst/>
+          </a:prstGeom>
+          <a:noFill/>
+        </p:spPr>
+        <p:txBody>
+          <a:bodyPr wrap="square" rtlCol="0">
+            <a:spAutoFit/>
+          </a:bodyPr>
+          <a:lstStyle/>
+          <a:p>
+            <a:r>
+              <a:rPr lang="en-US" sz="1600" dirty="0">
+                <a:latin typeface="Times New Roman" panose="02020603050405020304" pitchFamily="18" charset="0"/>
+                <a:cs typeface="Times New Roman" panose="02020603050405020304" pitchFamily="18" charset="0"/>
+              </a:rPr>
+              <a:t>(a)</a:t>
+            </a:r>
+          </a:p>
+        </p:txBody>
+      </p:sp>
+      <p:sp>
+        <p:nvSpPr>
+          <p:cNvPr id="11" name="TextBox 10">
+            <a:extLst>
+              <a:ext uri="{FF2B5EF4-FFF2-40B4-BE49-F238E27FC236}">
+                <a16:creationId xmlns:a16="http://schemas.microsoft.com/office/drawing/2014/main" id="{A3D88267-F44F-4198-82A6-875068A40765}"/>
+              </a:ext>
+            </a:extLst>
+          </p:cNvPr>
+          <p:cNvSpPr txBox="1"/>
+          <p:nvPr/>
+        </p:nvSpPr>
+        <p:spPr>
+          <a:xfrm>
+            <a:off x="6639016" y="2969951"/>
+            <a:ext cx="807868" cy="338554"/>
+          </a:xfrm>
+          <a:prstGeom prst="rect">
+            <a:avLst/>
+          </a:prstGeom>
+          <a:noFill/>
+        </p:spPr>
+        <p:txBody>
+          <a:bodyPr wrap="square" rtlCol="0">
+            <a:spAutoFit/>
+          </a:bodyPr>
+          <a:lstStyle/>
+          <a:p>
+            <a:r>
+              <a:rPr lang="en-US" sz="1600" dirty="0">
+                <a:latin typeface="Times New Roman" panose="02020603050405020304" pitchFamily="18" charset="0"/>
+                <a:cs typeface="Times New Roman" panose="02020603050405020304" pitchFamily="18" charset="0"/>
+              </a:rPr>
+              <a:t>(b)</a:t>
+            </a:r>
+          </a:p>
+        </p:txBody>
+      </p:sp>
+      <p:pic>
+        <p:nvPicPr>
+          <p:cNvPr id="8" name="Picture 7">
+            <a:extLst>
+              <a:ext uri="{FF2B5EF4-FFF2-40B4-BE49-F238E27FC236}">
+                <a16:creationId xmlns:a16="http://schemas.microsoft.com/office/drawing/2014/main" id="{69A92183-A29D-4AA9-841E-658F531FBF69}"/>
+              </a:ext>
+            </a:extLst>
+          </p:cNvPr>
+          <p:cNvPicPr>
+            <a:picLocks noChangeAspect="1"/>
+          </p:cNvPicPr>
+          <p:nvPr/>
+        </p:nvPicPr>
+        <p:blipFill rotWithShape="1">
+          <a:blip r:embed="rId5"/>
+          <a:srcRect t="86945"/>
+          <a:stretch/>
+        </p:blipFill>
+        <p:spPr>
+          <a:xfrm>
+            <a:off x="2957518" y="2711295"/>
+            <a:ext cx="3248025" cy="258656"/>
+          </a:xfrm>
+          <a:prstGeom prst="rect">
+            <a:avLst/>
+          </a:prstGeom>
+        </p:spPr>
+      </p:pic>
+      <p:pic>
+        <p:nvPicPr>
+          <p:cNvPr id="12" name="Picture 11">
+            <a:extLst>
+              <a:ext uri="{FF2B5EF4-FFF2-40B4-BE49-F238E27FC236}">
+                <a16:creationId xmlns:a16="http://schemas.microsoft.com/office/drawing/2014/main" id="{49A8FC5C-0BD8-488D-950B-611370067422}"/>
+              </a:ext>
+            </a:extLst>
+          </p:cNvPr>
+          <p:cNvPicPr>
+            <a:picLocks noChangeAspect="1"/>
+          </p:cNvPicPr>
+          <p:nvPr/>
+        </p:nvPicPr>
+        <p:blipFill rotWithShape="1">
+          <a:blip r:embed="rId5"/>
+          <a:srcRect t="86945"/>
+          <a:stretch/>
+        </p:blipFill>
+        <p:spPr>
+          <a:xfrm>
+            <a:off x="5205917" y="2711295"/>
+            <a:ext cx="3248025" cy="258656"/>
+          </a:xfrm>
+          <a:prstGeom prst="rect">
+            <a:avLst/>
+          </a:prstGeom>
+        </p:spPr>
+      </p:pic>
+      <p:pic>
+        <p:nvPicPr>
+          <p:cNvPr id="13" name="Picture 12">
+            <a:extLst>
+              <a:ext uri="{FF2B5EF4-FFF2-40B4-BE49-F238E27FC236}">
+                <a16:creationId xmlns:a16="http://schemas.microsoft.com/office/drawing/2014/main" id="{0C0FBA6B-43A1-4E7B-93F9-A7D47D5B4761}"/>
+              </a:ext>
+            </a:extLst>
+          </p:cNvPr>
+          <p:cNvPicPr>
+            <a:picLocks noChangeAspect="1"/>
+          </p:cNvPicPr>
+          <p:nvPr/>
+        </p:nvPicPr>
+        <p:blipFill rotWithShape="1">
+          <a:blip r:embed="rId5"/>
+          <a:srcRect r="91314" b="23450"/>
+          <a:stretch/>
+        </p:blipFill>
+        <p:spPr>
+          <a:xfrm>
+            <a:off x="3125921" y="1066062"/>
+            <a:ext cx="282123" cy="1516602"/>
+          </a:xfrm>
+          <a:prstGeom prst="rect">
+            <a:avLst/>
+          </a:prstGeom>
+        </p:spPr>
+      </p:pic>
+    </p:spTree>
+    <p:extLst>
+      <p:ext uri="{BB962C8B-B14F-4D97-AF65-F5344CB8AC3E}">
+        <p14:creationId xmlns:p14="http://schemas.microsoft.com/office/powerpoint/2010/main" val="4019378449"/>
+      </p:ext>
+    </p:extLst>
+  </p:cSld>
+  <p:clrMapOvr>
+    <a:masterClrMapping/>
+  </p:clrMapOvr>
+</p:sld>
+</file>
+
+<file path=ppt/slides/slide4.xml><?xml version="1.0" encoding="utf-8"?>
+<p:sld xmlns:a="http://schemas.openxmlformats.org/drawingml/2006/main" xmlns:r="http://schemas.openxmlformats.org/officeDocument/2006/relationships" xmlns:p="http://schemas.openxmlformats.org/presentationml/2006/main">
+  <p:cSld>
+    <p:spTree>
+      <p:nvGrpSpPr>
+        <p:cNvPr id="1" name=""/>
+        <p:cNvGrpSpPr/>
+        <p:nvPr/>
+      </p:nvGrpSpPr>
+      <p:grpSpPr>
+        <a:xfrm>
+          <a:off x="0" y="0"/>
+          <a:ext cx="0" cy="0"/>
+          <a:chOff x="0" y="0"/>
+          <a:chExt cx="0" cy="0"/>
+        </a:xfrm>
+      </p:grpSpPr>
+      <p:sp>
+        <p:nvSpPr>
+          <p:cNvPr id="17" name="Rectangle 16">
+            <a:extLst>
+              <a:ext uri="{FF2B5EF4-FFF2-40B4-BE49-F238E27FC236}">
+                <a16:creationId xmlns:a16="http://schemas.microsoft.com/office/drawing/2014/main" id="{6A8CBB25-D796-44E1-B031-3F0704EDC488}"/>
+              </a:ext>
+            </a:extLst>
+          </p:cNvPr>
+          <p:cNvSpPr/>
+          <p:nvPr/>
+        </p:nvSpPr>
+        <p:spPr>
+          <a:xfrm>
+            <a:off x="2546410" y="976126"/>
+            <a:ext cx="6027938" cy="2314206"/>
+          </a:xfrm>
+          <a:prstGeom prst="rect">
+            <a:avLst/>
+          </a:prstGeom>
+          <a:solidFill>
+            <a:schemeClr val="bg1"/>
+          </a:solidFill>
+          <a:ln>
+            <a:noFill/>
+          </a:ln>
+        </p:spPr>
+        <p:style>
+          <a:lnRef idx="2">
+            <a:schemeClr val="accent1">
+              <a:shade val="50000"/>
+            </a:schemeClr>
+          </a:lnRef>
+          <a:fillRef idx="1">
+            <a:schemeClr val="accent1"/>
+          </a:fillRef>
+          <a:effectRef idx="0">
+            <a:schemeClr val="accent1"/>
+          </a:effectRef>
+          <a:fontRef idx="minor">
+            <a:schemeClr val="lt1"/>
+          </a:fontRef>
+        </p:style>
+        <p:txBody>
+          <a:bodyPr rtlCol="0" anchor="ctr"/>
+          <a:lstStyle/>
+          <a:p>
+            <a:pPr algn="ctr"/>
+            <a:endParaRPr lang="en-US"/>
+          </a:p>
+        </p:txBody>
+      </p:sp>
+      <p:pic>
+        <p:nvPicPr>
+          <p:cNvPr id="6" name="Picture 5">
+            <a:extLst>
+              <a:ext uri="{FF2B5EF4-FFF2-40B4-BE49-F238E27FC236}">
+                <a16:creationId xmlns:a16="http://schemas.microsoft.com/office/drawing/2014/main" id="{16119B48-E806-4A24-8B13-98C53F492E89}"/>
+              </a:ext>
+            </a:extLst>
+          </p:cNvPr>
+          <p:cNvPicPr>
+            <a:picLocks noChangeAspect="1"/>
+          </p:cNvPicPr>
+          <p:nvPr/>
+        </p:nvPicPr>
+        <p:blipFill rotWithShape="1">
+          <a:blip r:embed="rId2"/>
+          <a:srcRect l="57870" t="34970" r="14790" b="3981"/>
+          <a:stretch/>
+        </p:blipFill>
+        <p:spPr>
+          <a:xfrm>
+            <a:off x="7620004" y="1216056"/>
+            <a:ext cx="781234" cy="1162976"/>
+          </a:xfrm>
+          <a:prstGeom prst="rect">
+            <a:avLst/>
+          </a:prstGeom>
+        </p:spPr>
+      </p:pic>
+      <p:pic>
+        <p:nvPicPr>
+          <p:cNvPr id="9" name="Picture 8">
+            <a:extLst>
+              <a:ext uri="{FF2B5EF4-FFF2-40B4-BE49-F238E27FC236}">
+                <a16:creationId xmlns:a16="http://schemas.microsoft.com/office/drawing/2014/main" id="{CDAD1013-A6E9-4BBA-8BA6-F53FCD065C07}"/>
+              </a:ext>
+            </a:extLst>
+          </p:cNvPr>
+          <p:cNvPicPr>
+            <a:picLocks noChangeAspect="1"/>
+          </p:cNvPicPr>
+          <p:nvPr/>
+        </p:nvPicPr>
+        <p:blipFill rotWithShape="1">
+          <a:blip r:embed="rId3"/>
+          <a:srcRect t="76913" b="14223"/>
+          <a:stretch/>
+        </p:blipFill>
+        <p:spPr>
+          <a:xfrm>
+            <a:off x="2695486" y="2547891"/>
+            <a:ext cx="2857499" cy="168859"/>
+          </a:xfrm>
+          <a:prstGeom prst="rect">
+            <a:avLst/>
+          </a:prstGeom>
+        </p:spPr>
+      </p:pic>
+      <p:sp>
+        <p:nvSpPr>
+          <p:cNvPr id="10" name="TextBox 9">
+            <a:extLst>
+              <a:ext uri="{FF2B5EF4-FFF2-40B4-BE49-F238E27FC236}">
+                <a16:creationId xmlns:a16="http://schemas.microsoft.com/office/drawing/2014/main" id="{E2014EAB-6DF4-405B-B888-AA1E1AE335E8}"/>
+              </a:ext>
+            </a:extLst>
+          </p:cNvPr>
+          <p:cNvSpPr txBox="1"/>
+          <p:nvPr/>
+        </p:nvSpPr>
+        <p:spPr>
+          <a:xfrm>
+            <a:off x="4141617" y="2969951"/>
+            <a:ext cx="807868" cy="338554"/>
+          </a:xfrm>
+          <a:prstGeom prst="rect">
+            <a:avLst/>
+          </a:prstGeom>
+          <a:noFill/>
+        </p:spPr>
+        <p:txBody>
+          <a:bodyPr wrap="square" rtlCol="0">
+            <a:spAutoFit/>
+          </a:bodyPr>
+          <a:lstStyle/>
+          <a:p>
+            <a:r>
+              <a:rPr lang="en-US" sz="1600" dirty="0">
+                <a:latin typeface="Times New Roman" panose="02020603050405020304" pitchFamily="18" charset="0"/>
+                <a:cs typeface="Times New Roman" panose="02020603050405020304" pitchFamily="18" charset="0"/>
+              </a:rPr>
+              <a:t>(a)</a:t>
+            </a:r>
+          </a:p>
+        </p:txBody>
+      </p:sp>
+      <p:sp>
+        <p:nvSpPr>
+          <p:cNvPr id="11" name="TextBox 10">
+            <a:extLst>
+              <a:ext uri="{FF2B5EF4-FFF2-40B4-BE49-F238E27FC236}">
+                <a16:creationId xmlns:a16="http://schemas.microsoft.com/office/drawing/2014/main" id="{A3D88267-F44F-4198-82A6-875068A40765}"/>
+              </a:ext>
+            </a:extLst>
+          </p:cNvPr>
+          <p:cNvSpPr txBox="1"/>
+          <p:nvPr/>
+        </p:nvSpPr>
+        <p:spPr>
+          <a:xfrm>
+            <a:off x="6227689" y="2951778"/>
+            <a:ext cx="807868" cy="338554"/>
+          </a:xfrm>
+          <a:prstGeom prst="rect">
+            <a:avLst/>
+          </a:prstGeom>
+          <a:noFill/>
+        </p:spPr>
+        <p:txBody>
+          <a:bodyPr wrap="square" rtlCol="0">
+            <a:spAutoFit/>
+          </a:bodyPr>
+          <a:lstStyle/>
+          <a:p>
+            <a:r>
+              <a:rPr lang="en-US" sz="1600" dirty="0">
+                <a:latin typeface="Times New Roman" panose="02020603050405020304" pitchFamily="18" charset="0"/>
+                <a:cs typeface="Times New Roman" panose="02020603050405020304" pitchFamily="18" charset="0"/>
+              </a:rPr>
+              <a:t>(b)</a:t>
+            </a:r>
+          </a:p>
+        </p:txBody>
+      </p:sp>
+      <p:pic>
+        <p:nvPicPr>
+          <p:cNvPr id="12" name="Picture 11">
+            <a:extLst>
+              <a:ext uri="{FF2B5EF4-FFF2-40B4-BE49-F238E27FC236}">
+                <a16:creationId xmlns:a16="http://schemas.microsoft.com/office/drawing/2014/main" id="{A4B6861E-7335-4A91-BAF8-0E78CFFEDD2F}"/>
+              </a:ext>
+            </a:extLst>
+          </p:cNvPr>
+          <p:cNvPicPr>
+            <a:picLocks noChangeAspect="1"/>
+          </p:cNvPicPr>
+          <p:nvPr/>
+        </p:nvPicPr>
+        <p:blipFill rotWithShape="1">
+          <a:blip r:embed="rId4"/>
+          <a:srcRect l="7883" r="-259" b="22156"/>
+          <a:stretch/>
+        </p:blipFill>
+        <p:spPr>
+          <a:xfrm>
+            <a:off x="2920753" y="1064951"/>
+            <a:ext cx="2639626" cy="1482940"/>
+          </a:xfrm>
+          <a:prstGeom prst="rect">
+            <a:avLst/>
+          </a:prstGeom>
+        </p:spPr>
+      </p:pic>
+      <p:pic>
+        <p:nvPicPr>
+          <p:cNvPr id="2" name="Picture 1">
+            <a:extLst>
+              <a:ext uri="{FF2B5EF4-FFF2-40B4-BE49-F238E27FC236}">
+                <a16:creationId xmlns:a16="http://schemas.microsoft.com/office/drawing/2014/main" id="{C2E900EA-BD56-4DF8-A676-A7B0D0D181E5}"/>
+              </a:ext>
+            </a:extLst>
+          </p:cNvPr>
+          <p:cNvPicPr>
+            <a:picLocks noChangeAspect="1"/>
+          </p:cNvPicPr>
+          <p:nvPr/>
+        </p:nvPicPr>
+        <p:blipFill rotWithShape="1">
+          <a:blip r:embed="rId5"/>
+          <a:srcRect l="18601" b="22156"/>
+          <a:stretch/>
+        </p:blipFill>
+        <p:spPr>
+          <a:xfrm>
+            <a:off x="5468648" y="1064951"/>
+            <a:ext cx="2325951" cy="1482940"/>
+          </a:xfrm>
+          <a:prstGeom prst="rect">
+            <a:avLst/>
+          </a:prstGeom>
+        </p:spPr>
+      </p:pic>
+      <p:pic>
+        <p:nvPicPr>
+          <p:cNvPr id="13" name="Picture 12">
+            <a:extLst>
+              <a:ext uri="{FF2B5EF4-FFF2-40B4-BE49-F238E27FC236}">
+                <a16:creationId xmlns:a16="http://schemas.microsoft.com/office/drawing/2014/main" id="{F3F7B98F-438B-4D60-9630-97A3493C436C}"/>
+              </a:ext>
+            </a:extLst>
+          </p:cNvPr>
+          <p:cNvPicPr>
+            <a:picLocks noChangeAspect="1"/>
+          </p:cNvPicPr>
+          <p:nvPr/>
+        </p:nvPicPr>
+        <p:blipFill rotWithShape="1">
+          <a:blip r:embed="rId3"/>
+          <a:srcRect t="76913" b="14224"/>
+          <a:stretch/>
+        </p:blipFill>
+        <p:spPr>
+          <a:xfrm>
+            <a:off x="4966866" y="2547892"/>
+            <a:ext cx="2857499" cy="168858"/>
+          </a:xfrm>
+          <a:prstGeom prst="rect">
+            <a:avLst/>
+          </a:prstGeom>
+        </p:spPr>
+      </p:pic>
+      <p:pic>
+        <p:nvPicPr>
+          <p:cNvPr id="14" name="Picture 13">
+            <a:extLst>
+              <a:ext uri="{FF2B5EF4-FFF2-40B4-BE49-F238E27FC236}">
+                <a16:creationId xmlns:a16="http://schemas.microsoft.com/office/drawing/2014/main" id="{31A8CF4C-3CE8-401F-A4FE-D0321322637B}"/>
+              </a:ext>
+            </a:extLst>
+          </p:cNvPr>
+          <p:cNvPicPr>
+            <a:picLocks noChangeAspect="1"/>
+          </p:cNvPicPr>
+          <p:nvPr/>
+        </p:nvPicPr>
+        <p:blipFill rotWithShape="1">
+          <a:blip r:embed="rId6"/>
+          <a:srcRect t="86945"/>
+          <a:stretch/>
+        </p:blipFill>
+        <p:spPr>
+          <a:xfrm>
+            <a:off x="2611288" y="2711295"/>
+            <a:ext cx="3248025" cy="258656"/>
+          </a:xfrm>
+          <a:prstGeom prst="rect">
+            <a:avLst/>
+          </a:prstGeom>
+        </p:spPr>
+      </p:pic>
+      <p:pic>
+        <p:nvPicPr>
+          <p:cNvPr id="15" name="Picture 14">
+            <a:extLst>
+              <a:ext uri="{FF2B5EF4-FFF2-40B4-BE49-F238E27FC236}">
+                <a16:creationId xmlns:a16="http://schemas.microsoft.com/office/drawing/2014/main" id="{FAB1C7F8-1992-4197-8E82-3DE640A68CCE}"/>
+              </a:ext>
+            </a:extLst>
+          </p:cNvPr>
+          <p:cNvPicPr>
+            <a:picLocks noChangeAspect="1"/>
+          </p:cNvPicPr>
+          <p:nvPr/>
+        </p:nvPicPr>
+        <p:blipFill rotWithShape="1">
+          <a:blip r:embed="rId6"/>
+          <a:srcRect t="86945"/>
+          <a:stretch/>
+        </p:blipFill>
+        <p:spPr>
+          <a:xfrm>
+            <a:off x="4859687" y="2711295"/>
+            <a:ext cx="3248025" cy="258656"/>
+          </a:xfrm>
+          <a:prstGeom prst="rect">
+            <a:avLst/>
+          </a:prstGeom>
+        </p:spPr>
+      </p:pic>
+      <p:pic>
+        <p:nvPicPr>
+          <p:cNvPr id="16" name="Picture 15">
+            <a:extLst>
+              <a:ext uri="{FF2B5EF4-FFF2-40B4-BE49-F238E27FC236}">
+                <a16:creationId xmlns:a16="http://schemas.microsoft.com/office/drawing/2014/main" id="{40D05F6D-D660-47A0-B44F-32AA4D57F612}"/>
+              </a:ext>
+            </a:extLst>
+          </p:cNvPr>
+          <p:cNvPicPr>
+            <a:picLocks noChangeAspect="1"/>
+          </p:cNvPicPr>
+          <p:nvPr/>
+        </p:nvPicPr>
+        <p:blipFill rotWithShape="1">
+          <a:blip r:embed="rId6"/>
+          <a:srcRect r="91314" b="23450"/>
+          <a:stretch/>
+        </p:blipFill>
+        <p:spPr>
+          <a:xfrm>
+            <a:off x="2779691" y="1066062"/>
+            <a:ext cx="282123" cy="1516602"/>
+          </a:xfrm>
+          <a:prstGeom prst="rect">
+            <a:avLst/>
+          </a:prstGeom>
+        </p:spPr>
+      </p:pic>
+    </p:spTree>
+    <p:extLst>
+      <p:ext uri="{BB962C8B-B14F-4D97-AF65-F5344CB8AC3E}">
+        <p14:creationId xmlns:p14="http://schemas.microsoft.com/office/powerpoint/2010/main" val="1810223610"/>
+      </p:ext>
+    </p:extLst>
+  </p:cSld>
+  <p:clrMapOvr>
+    <a:masterClrMapping/>
+  </p:clrMapOvr>
+</p:sld>
+</file>
+
 <file path=ppt/theme/theme1.xml><?xml version="1.0" encoding="utf-8"?>
 <a:theme xmlns:a="http://schemas.openxmlformats.org/drawingml/2006/main" name="Office Theme">
   <a:themeElements>
